--- a/RateLimiter/doc/Rate Limiter Presentation.pptx
+++ b/RateLimiter/doc/Rate Limiter Presentation.pptx
@@ -186,7 +186,7 @@
       </p14:sectionLst>
     </p:ext>
     <p:ext uri="{EFAFB233-063F-42B5-8137-9DF3F51BA10A}">
-      <p15:sldGuideLst xmlns:p15="http://schemas.microsoft.com/office/powerpoint/2012/main" xmlns="">
+      <p15:sldGuideLst xmlns="" xmlns:p15="http://schemas.microsoft.com/office/powerpoint/2012/main">
         <p15:guide id="1" pos="3839" userDrawn="1">
           <p15:clr>
             <a:srgbClr val="A4A3A4"/>
@@ -200,7 +200,7 @@
       </p15:sldGuideLst>
     </p:ext>
     <p:ext uri="{2D200454-40CA-4A62-9FC3-DE9A4176ACB9}">
-      <p15:notesGuideLst xmlns:p15="http://schemas.microsoft.com/office/powerpoint/2012/main" xmlns=""/>
+      <p15:notesGuideLst xmlns="" xmlns:p15="http://schemas.microsoft.com/office/powerpoint/2012/main"/>
     </p:ext>
   </p:extLst>
 </p:presentation>
@@ -4226,7 +4226,7 @@
   </p:txStyles>
   <p:extLst mod="1">
     <p:ext uri="{27BBF7A9-308A-43DC-89C8-2F10F3537804}">
-      <p15:sldGuideLst xmlns:p15="http://schemas.microsoft.com/office/powerpoint/2012/main" xmlns="">
+      <p15:sldGuideLst xmlns="" xmlns:p15="http://schemas.microsoft.com/office/powerpoint/2012/main">
         <p15:guide id="1" pos="3839" userDrawn="1">
           <p15:clr>
             <a:srgbClr val="F26B43"/>
@@ -9238,14 +9238,7 @@
                 <a:latin typeface="Consolas" pitchFamily="49" charset="0"/>
                 <a:cs typeface="Consolas" pitchFamily="49" charset="0"/>
               </a:rPr>
-              <a:t>	class</a:t>
-            </a:r>
-            <a:r>
-              <a:rPr lang="en-GB" sz="1400" spc="-50" dirty="0" smtClean="0">
-                <a:latin typeface="Consolas" pitchFamily="49" charset="0"/>
-                <a:cs typeface="Consolas" pitchFamily="49" charset="0"/>
-              </a:rPr>
-              <a:t>="</a:t>
+              <a:t>	class="</a:t>
             </a:r>
             <a:r>
               <a:rPr lang="en-GB" sz="1400" b="1" u="sng" spc="-50" dirty="0" smtClean="0">
@@ -9550,14 +9543,7 @@
                 <a:latin typeface="Consolas" pitchFamily="49" charset="0"/>
                 <a:cs typeface="Consolas" pitchFamily="49" charset="0"/>
               </a:rPr>
-              <a:t>	class</a:t>
-            </a:r>
-            <a:r>
-              <a:rPr lang="en-GB" sz="1400" spc="-50" dirty="0" smtClean="0">
-                <a:latin typeface="Consolas" pitchFamily="49" charset="0"/>
-                <a:cs typeface="Consolas" pitchFamily="49" charset="0"/>
-              </a:rPr>
-              <a:t>="</a:t>
+              <a:t>	class="</a:t>
             </a:r>
             <a:r>
               <a:rPr lang="en-GB" sz="1400" b="1" spc="-50" dirty="0" err="1" smtClean="0">
@@ -10287,7 +10273,7 @@
                 <a:latin typeface="Consolas" pitchFamily="49" charset="0"/>
                 <a:cs typeface="Consolas" pitchFamily="49" charset="0"/>
               </a:rPr>
-              <a:t>limiterStrategyBean</a:t>
+              <a:t>limiterBean</a:t>
             </a:r>
             <a:r>
               <a:rPr lang="en-GB" b="1" spc="-50" dirty="0" smtClean="0">
@@ -10488,7 +10474,7 @@
                 <a:latin typeface="Consolas" pitchFamily="49" charset="0"/>
                 <a:cs typeface="Consolas" pitchFamily="49" charset="0"/>
               </a:rPr>
-              <a:t>limiterStrategyBean</a:t>
+              <a:t>limiterBean</a:t>
             </a:r>
             <a:r>
               <a:rPr lang="en-GB" b="1" spc="-50" dirty="0">
@@ -13593,14 +13579,7 @@
                 <a:latin typeface="Consolas" pitchFamily="49" charset="0"/>
                 <a:cs typeface="Consolas" pitchFamily="49" charset="0"/>
               </a:rPr>
-              <a:t>	class</a:t>
-            </a:r>
-            <a:r>
-              <a:rPr lang="en-GB" sz="1300" spc="-50" dirty="0" smtClean="0">
-                <a:latin typeface="Consolas" pitchFamily="49" charset="0"/>
-                <a:cs typeface="Consolas" pitchFamily="49" charset="0"/>
-              </a:rPr>
-              <a:t>="</a:t>
+              <a:t>	class="</a:t>
             </a:r>
             <a:r>
               <a:rPr lang="en-GB" sz="1300" spc="-50" dirty="0" err="1" smtClean="0">
@@ -14226,14 +14205,7 @@
                 <a:latin typeface="Consolas" pitchFamily="49" charset="0"/>
                 <a:cs typeface="Consolas" pitchFamily="49" charset="0"/>
               </a:rPr>
-              <a:t>	class</a:t>
-            </a:r>
-            <a:r>
-              <a:rPr lang="en-GB" sz="1300" spc="-50" dirty="0" smtClean="0">
-                <a:latin typeface="Consolas" pitchFamily="49" charset="0"/>
-                <a:cs typeface="Consolas" pitchFamily="49" charset="0"/>
-              </a:rPr>
-              <a:t>="</a:t>
+              <a:t>	class="</a:t>
             </a:r>
             <a:r>
               <a:rPr lang="en-GB" sz="1300" spc="-50" dirty="0" err="1" smtClean="0">
